--- a/Instruction_en_right_go.pptx
+++ b/Instruction_en_right_go.pptx
@@ -302,7 +302,7 @@
           <a:p>
             <a:fld id="{F32644F4-EB0D-4C98-BE1C-61E67B517F6C}" type="datetimeFigureOut">
               <a:rPr lang="de-CH" smtClean="0"/>
-              <a:t>29.08.2019</a:t>
+              <a:t>13.09.2019</a:t>
             </a:fld>
             <a:endParaRPr lang="de-CH"/>
           </a:p>
@@ -344,7 +344,7 @@
           <a:p>
             <a:fld id="{604A2ADB-D8E9-4E17-AF4B-2F66BE3E6C0C}" type="slidenum">
               <a:rPr lang="de-CH" smtClean="0"/>
-              <a:t>‹#›</a:t>
+              <a:t>‹Nr.›</a:t>
             </a:fld>
             <a:endParaRPr lang="de-CH"/>
           </a:p>
@@ -472,7 +472,7 @@
           <a:p>
             <a:fld id="{F32644F4-EB0D-4C98-BE1C-61E67B517F6C}" type="datetimeFigureOut">
               <a:rPr lang="de-CH" smtClean="0"/>
-              <a:t>29.08.2019</a:t>
+              <a:t>13.09.2019</a:t>
             </a:fld>
             <a:endParaRPr lang="de-CH"/>
           </a:p>
@@ -514,7 +514,7 @@
           <a:p>
             <a:fld id="{604A2ADB-D8E9-4E17-AF4B-2F66BE3E6C0C}" type="slidenum">
               <a:rPr lang="de-CH" smtClean="0"/>
-              <a:t>‹#›</a:t>
+              <a:t>‹Nr.›</a:t>
             </a:fld>
             <a:endParaRPr lang="de-CH"/>
           </a:p>
@@ -652,7 +652,7 @@
           <a:p>
             <a:fld id="{F32644F4-EB0D-4C98-BE1C-61E67B517F6C}" type="datetimeFigureOut">
               <a:rPr lang="de-CH" smtClean="0"/>
-              <a:t>29.08.2019</a:t>
+              <a:t>13.09.2019</a:t>
             </a:fld>
             <a:endParaRPr lang="de-CH"/>
           </a:p>
@@ -694,7 +694,7 @@
           <a:p>
             <a:fld id="{604A2ADB-D8E9-4E17-AF4B-2F66BE3E6C0C}" type="slidenum">
               <a:rPr lang="de-CH" smtClean="0"/>
-              <a:t>‹#›</a:t>
+              <a:t>‹Nr.›</a:t>
             </a:fld>
             <a:endParaRPr lang="de-CH"/>
           </a:p>
@@ -822,7 +822,7 @@
           <a:p>
             <a:fld id="{F32644F4-EB0D-4C98-BE1C-61E67B517F6C}" type="datetimeFigureOut">
               <a:rPr lang="de-CH" smtClean="0"/>
-              <a:t>29.08.2019</a:t>
+              <a:t>13.09.2019</a:t>
             </a:fld>
             <a:endParaRPr lang="de-CH"/>
           </a:p>
@@ -864,7 +864,7 @@
           <a:p>
             <a:fld id="{604A2ADB-D8E9-4E17-AF4B-2F66BE3E6C0C}" type="slidenum">
               <a:rPr lang="de-CH" smtClean="0"/>
-              <a:t>‹#›</a:t>
+              <a:t>‹Nr.›</a:t>
             </a:fld>
             <a:endParaRPr lang="de-CH"/>
           </a:p>
@@ -1068,7 +1068,7 @@
           <a:p>
             <a:fld id="{F32644F4-EB0D-4C98-BE1C-61E67B517F6C}" type="datetimeFigureOut">
               <a:rPr lang="de-CH" smtClean="0"/>
-              <a:t>29.08.2019</a:t>
+              <a:t>13.09.2019</a:t>
             </a:fld>
             <a:endParaRPr lang="de-CH"/>
           </a:p>
@@ -1110,7 +1110,7 @@
           <a:p>
             <a:fld id="{604A2ADB-D8E9-4E17-AF4B-2F66BE3E6C0C}" type="slidenum">
               <a:rPr lang="de-CH" smtClean="0"/>
-              <a:t>‹#›</a:t>
+              <a:t>‹Nr.›</a:t>
             </a:fld>
             <a:endParaRPr lang="de-CH"/>
           </a:p>
@@ -1356,7 +1356,7 @@
           <a:p>
             <a:fld id="{F32644F4-EB0D-4C98-BE1C-61E67B517F6C}" type="datetimeFigureOut">
               <a:rPr lang="de-CH" smtClean="0"/>
-              <a:t>29.08.2019</a:t>
+              <a:t>13.09.2019</a:t>
             </a:fld>
             <a:endParaRPr lang="de-CH"/>
           </a:p>
@@ -1398,7 +1398,7 @@
           <a:p>
             <a:fld id="{604A2ADB-D8E9-4E17-AF4B-2F66BE3E6C0C}" type="slidenum">
               <a:rPr lang="de-CH" smtClean="0"/>
-              <a:t>‹#›</a:t>
+              <a:t>‹Nr.›</a:t>
             </a:fld>
             <a:endParaRPr lang="de-CH"/>
           </a:p>
@@ -1778,7 +1778,7 @@
           <a:p>
             <a:fld id="{F32644F4-EB0D-4C98-BE1C-61E67B517F6C}" type="datetimeFigureOut">
               <a:rPr lang="de-CH" smtClean="0"/>
-              <a:t>29.08.2019</a:t>
+              <a:t>13.09.2019</a:t>
             </a:fld>
             <a:endParaRPr lang="de-CH"/>
           </a:p>
@@ -1820,7 +1820,7 @@
           <a:p>
             <a:fld id="{604A2ADB-D8E9-4E17-AF4B-2F66BE3E6C0C}" type="slidenum">
               <a:rPr lang="de-CH" smtClean="0"/>
-              <a:t>‹#›</a:t>
+              <a:t>‹Nr.›</a:t>
             </a:fld>
             <a:endParaRPr lang="de-CH"/>
           </a:p>
@@ -1896,7 +1896,7 @@
           <a:p>
             <a:fld id="{F32644F4-EB0D-4C98-BE1C-61E67B517F6C}" type="datetimeFigureOut">
               <a:rPr lang="de-CH" smtClean="0"/>
-              <a:t>29.08.2019</a:t>
+              <a:t>13.09.2019</a:t>
             </a:fld>
             <a:endParaRPr lang="de-CH"/>
           </a:p>
@@ -1938,7 +1938,7 @@
           <a:p>
             <a:fld id="{604A2ADB-D8E9-4E17-AF4B-2F66BE3E6C0C}" type="slidenum">
               <a:rPr lang="de-CH" smtClean="0"/>
-              <a:t>‹#›</a:t>
+              <a:t>‹Nr.›</a:t>
             </a:fld>
             <a:endParaRPr lang="de-CH"/>
           </a:p>
@@ -1991,7 +1991,7 @@
           <a:p>
             <a:fld id="{F32644F4-EB0D-4C98-BE1C-61E67B517F6C}" type="datetimeFigureOut">
               <a:rPr lang="de-CH" smtClean="0"/>
-              <a:t>29.08.2019</a:t>
+              <a:t>13.09.2019</a:t>
             </a:fld>
             <a:endParaRPr lang="de-CH"/>
           </a:p>
@@ -2033,7 +2033,7 @@
           <a:p>
             <a:fld id="{604A2ADB-D8E9-4E17-AF4B-2F66BE3E6C0C}" type="slidenum">
               <a:rPr lang="de-CH" smtClean="0"/>
-              <a:t>‹#›</a:t>
+              <a:t>‹Nr.›</a:t>
             </a:fld>
             <a:endParaRPr lang="de-CH"/>
           </a:p>
@@ -2268,7 +2268,7 @@
           <a:p>
             <a:fld id="{F32644F4-EB0D-4C98-BE1C-61E67B517F6C}" type="datetimeFigureOut">
               <a:rPr lang="de-CH" smtClean="0"/>
-              <a:t>29.08.2019</a:t>
+              <a:t>13.09.2019</a:t>
             </a:fld>
             <a:endParaRPr lang="de-CH"/>
           </a:p>
@@ -2310,7 +2310,7 @@
           <a:p>
             <a:fld id="{604A2ADB-D8E9-4E17-AF4B-2F66BE3E6C0C}" type="slidenum">
               <a:rPr lang="de-CH" smtClean="0"/>
-              <a:t>‹#›</a:t>
+              <a:t>‹Nr.›</a:t>
             </a:fld>
             <a:endParaRPr lang="de-CH"/>
           </a:p>
@@ -2525,7 +2525,7 @@
           <a:p>
             <a:fld id="{F32644F4-EB0D-4C98-BE1C-61E67B517F6C}" type="datetimeFigureOut">
               <a:rPr lang="de-CH" smtClean="0"/>
-              <a:t>29.08.2019</a:t>
+              <a:t>13.09.2019</a:t>
             </a:fld>
             <a:endParaRPr lang="de-CH"/>
           </a:p>
@@ -2567,7 +2567,7 @@
           <a:p>
             <a:fld id="{604A2ADB-D8E9-4E17-AF4B-2F66BE3E6C0C}" type="slidenum">
               <a:rPr lang="de-CH" smtClean="0"/>
-              <a:t>‹#›</a:t>
+              <a:t>‹Nr.›</a:t>
             </a:fld>
             <a:endParaRPr lang="de-CH"/>
           </a:p>
@@ -2738,7 +2738,7 @@
           <a:p>
             <a:fld id="{F32644F4-EB0D-4C98-BE1C-61E67B517F6C}" type="datetimeFigureOut">
               <a:rPr lang="de-CH" smtClean="0"/>
-              <a:t>29.08.2019</a:t>
+              <a:t>13.09.2019</a:t>
             </a:fld>
             <a:endParaRPr lang="de-CH"/>
           </a:p>
@@ -2816,7 +2816,7 @@
           <a:p>
             <a:fld id="{604A2ADB-D8E9-4E17-AF4B-2F66BE3E6C0C}" type="slidenum">
               <a:rPr lang="de-CH" smtClean="0"/>
-              <a:t>‹#›</a:t>
+              <a:t>‹Nr.›</a:t>
             </a:fld>
             <a:endParaRPr lang="de-CH"/>
           </a:p>
@@ -3243,7 +3243,7 @@
         </p:nvSpPr>
         <p:spPr>
           <a:xfrm>
-            <a:off x="5615220" y="4467421"/>
+            <a:off x="6063080" y="4467421"/>
             <a:ext cx="838200" cy="838200"/>
           </a:xfrm>
           <a:prstGeom prst="diamond">
@@ -3297,7 +3297,7 @@
         </p:nvSpPr>
         <p:spPr>
           <a:xfrm>
-            <a:off x="5577120" y="4655688"/>
+            <a:off x="6024980" y="4655688"/>
             <a:ext cx="190500" cy="461665"/>
           </a:xfrm>
           <a:prstGeom prst="rect">
@@ -3677,7 +3677,7 @@
         </p:nvSpPr>
         <p:spPr>
           <a:xfrm>
-            <a:off x="5648140" y="2202311"/>
+            <a:off x="6096000" y="2202311"/>
             <a:ext cx="838200" cy="838200"/>
           </a:xfrm>
           <a:prstGeom prst="diamond">
@@ -3731,7 +3731,7 @@
         </p:nvSpPr>
         <p:spPr>
           <a:xfrm>
-            <a:off x="6372040" y="2390578"/>
+            <a:off x="6819900" y="2390578"/>
             <a:ext cx="190500" cy="461665"/>
           </a:xfrm>
           <a:prstGeom prst="rect">
@@ -3898,15 +3898,6 @@
           </a:bodyPr>
           <a:lstStyle/>
           <a:p>
-            <a:r>
-              <a:rPr lang="de-CH" dirty="0">
-                <a:solidFill>
-                  <a:schemeClr val="bg1"/>
-                </a:solidFill>
-                <a:cs typeface="Times New Roman" panose="02020603050405020304" pitchFamily="18" charset="0"/>
-              </a:rPr>
-              <a:t/>
-            </a:r>
             <a:br>
               <a:rPr lang="de-CH" dirty="0">
                 <a:solidFill>
@@ -3993,14 +3984,6 @@
           </a:bodyPr>
           <a:lstStyle/>
           <a:p>
-            <a:r>
-              <a:rPr lang="de-CH" dirty="0">
-                <a:solidFill>
-                  <a:schemeClr val="bg1"/>
-                </a:solidFill>
-              </a:rPr>
-              <a:t/>
-            </a:r>
             <a:br>
               <a:rPr lang="de-CH" dirty="0">
                 <a:solidFill>
@@ -4047,14 +4030,6 @@
                 </a:solidFill>
               </a:rPr>
               <a:t>!</a:t>
-            </a:r>
-            <a:r>
-              <a:rPr lang="de-CH" dirty="0">
-                <a:solidFill>
-                  <a:schemeClr val="bg1"/>
-                </a:solidFill>
-              </a:rPr>
-              <a:t/>
             </a:r>
             <a:br>
               <a:rPr lang="de-CH" dirty="0">
@@ -4122,6 +4097,96 @@
           </a:p>
         </p:txBody>
       </p:sp>
+      <p:pic>
+        <p:nvPicPr>
+          <p:cNvPr id="20" name="Grafik 19">
+            <a:extLst>
+              <a:ext uri="{FF2B5EF4-FFF2-40B4-BE49-F238E27FC236}">
+                <a16:creationId xmlns:a16="http://schemas.microsoft.com/office/drawing/2014/main" id="{1F05C56E-FE1C-46AD-8B05-BA77F1AF8316}"/>
+              </a:ext>
+            </a:extLst>
+          </p:cNvPr>
+          <p:cNvPicPr>
+            <a:picLocks noChangeAspect="1"/>
+          </p:cNvPicPr>
+          <p:nvPr/>
+        </p:nvPicPr>
+        <p:blipFill>
+          <a:blip r:embed="rId2"/>
+          <a:stretch>
+            <a:fillRect/>
+          </a:stretch>
+        </p:blipFill>
+        <p:spPr>
+          <a:xfrm>
+            <a:off x="5183886" y="4435525"/>
+            <a:ext cx="900176" cy="712639"/>
+          </a:xfrm>
+          <a:prstGeom prst="rect">
+            <a:avLst/>
+          </a:prstGeom>
+        </p:spPr>
+      </p:pic>
+      <p:pic>
+        <p:nvPicPr>
+          <p:cNvPr id="24" name="Grafik 23">
+            <a:extLst>
+              <a:ext uri="{FF2B5EF4-FFF2-40B4-BE49-F238E27FC236}">
+                <a16:creationId xmlns:a16="http://schemas.microsoft.com/office/drawing/2014/main" id="{F626BB9D-AE67-4A3E-8985-FFC30CBC4FA1}"/>
+              </a:ext>
+            </a:extLst>
+          </p:cNvPr>
+          <p:cNvPicPr>
+            <a:picLocks noChangeAspect="1"/>
+          </p:cNvPicPr>
+          <p:nvPr/>
+        </p:nvPicPr>
+        <p:blipFill>
+          <a:blip r:embed="rId2"/>
+          <a:stretch>
+            <a:fillRect/>
+          </a:stretch>
+        </p:blipFill>
+        <p:spPr>
+          <a:xfrm>
+            <a:off x="5183886" y="2300278"/>
+            <a:ext cx="900176" cy="712639"/>
+          </a:xfrm>
+          <a:prstGeom prst="rect">
+            <a:avLst/>
+          </a:prstGeom>
+        </p:spPr>
+      </p:pic>
+      <p:pic>
+        <p:nvPicPr>
+          <p:cNvPr id="25" name="Grafik 24">
+            <a:extLst>
+              <a:ext uri="{FF2B5EF4-FFF2-40B4-BE49-F238E27FC236}">
+                <a16:creationId xmlns:a16="http://schemas.microsoft.com/office/drawing/2014/main" id="{16F642DA-D983-4A25-BB2C-E5C3AC65A7FC}"/>
+              </a:ext>
+            </a:extLst>
+          </p:cNvPr>
+          <p:cNvPicPr>
+            <a:picLocks noChangeAspect="1"/>
+          </p:cNvPicPr>
+          <p:nvPr/>
+        </p:nvPicPr>
+        <p:blipFill>
+          <a:blip r:embed="rId2"/>
+          <a:stretch>
+            <a:fillRect/>
+          </a:stretch>
+        </p:blipFill>
+        <p:spPr>
+          <a:xfrm>
+            <a:off x="5241876" y="324653"/>
+            <a:ext cx="900176" cy="712639"/>
+          </a:xfrm>
+          <a:prstGeom prst="rect">
+            <a:avLst/>
+          </a:prstGeom>
+        </p:spPr>
+      </p:pic>
     </p:spTree>
     <p:extLst>
       <p:ext uri="{BB962C8B-B14F-4D97-AF65-F5344CB8AC3E}">
